--- a/LaTeX Files/parking_layer.pptx
+++ b/LaTeX Files/parking_layer.pptx
@@ -104,6 +104,11 @@
       </a:defRPr>
     </a:lvl9pPr>
   </p:defaultTextStyle>
+  <p:extLst>
+    <p:ext uri="{EFAFB233-063F-42B5-8137-9DF3F51BA10A}">
+      <p15:sldGuideLst xmlns:p15="http://schemas.microsoft.com/office/powerpoint/2012/main"/>
+    </p:ext>
+  </p:extLst>
 </p:presentation>
 </file>
 
@@ -1470,6 +1475,13 @@
         </dgm:presLayoutVars>
       </dgm:prSet>
       <dgm:spPr/>
+      <dgm:t>
+        <a:bodyPr/>
+        <a:lstStyle/>
+        <a:p>
+          <a:endParaRPr lang="en-US"/>
+        </a:p>
+      </dgm:t>
     </dgm:pt>
     <dgm:pt modelId="{4972DB11-29EC-4F01-8B5A-D8B7EA2D4355}" type="pres">
       <dgm:prSet presAssocID="{1CC60603-4321-4801-83D8-C21AC503298A}" presName="hierFlow" presStyleCnt="0"/>
@@ -1515,6 +1527,13 @@
     <dgm:pt modelId="{F69DCA73-F89A-4A80-868A-6623F582C892}" type="pres">
       <dgm:prSet presAssocID="{4A156EE0-BD9D-4DAB-8BD0-E67B195886AA}" presName="Name19" presStyleLbl="parChTrans1D2" presStyleIdx="0" presStyleCnt="2"/>
       <dgm:spPr/>
+      <dgm:t>
+        <a:bodyPr/>
+        <a:lstStyle/>
+        <a:p>
+          <a:endParaRPr lang="en-US"/>
+        </a:p>
+      </dgm:t>
     </dgm:pt>
     <dgm:pt modelId="{81332A1B-4218-4E0B-809C-21CB4412FD49}" type="pres">
       <dgm:prSet presAssocID="{00B1317A-D75A-4E16-9B73-24EFC1D89FBC}" presName="Name21" presStyleCnt="0"/>
@@ -1523,6 +1542,13 @@
     <dgm:pt modelId="{213A54C0-3442-4117-9625-7B2611FBBE1E}" type="pres">
       <dgm:prSet presAssocID="{00B1317A-D75A-4E16-9B73-24EFC1D89FBC}" presName="level2Shape" presStyleLbl="node2" presStyleIdx="0" presStyleCnt="2"/>
       <dgm:spPr/>
+      <dgm:t>
+        <a:bodyPr/>
+        <a:lstStyle/>
+        <a:p>
+          <a:endParaRPr lang="en-US"/>
+        </a:p>
+      </dgm:t>
     </dgm:pt>
     <dgm:pt modelId="{4C7A9C4B-8E5D-453C-AB8B-22853E567238}" type="pres">
       <dgm:prSet presAssocID="{00B1317A-D75A-4E16-9B73-24EFC1D89FBC}" presName="hierChild3" presStyleCnt="0"/>
@@ -1531,6 +1557,13 @@
     <dgm:pt modelId="{A2CE9F3F-6753-494A-925F-891C73918E3A}" type="pres">
       <dgm:prSet presAssocID="{FD44A606-60B7-4B14-87E4-76D1F03ED8E5}" presName="Name19" presStyleLbl="parChTrans1D2" presStyleIdx="1" presStyleCnt="2"/>
       <dgm:spPr/>
+      <dgm:t>
+        <a:bodyPr/>
+        <a:lstStyle/>
+        <a:p>
+          <a:endParaRPr lang="en-US"/>
+        </a:p>
+      </dgm:t>
     </dgm:pt>
     <dgm:pt modelId="{F458847E-DF70-489F-ADFF-BE9CFD20714E}" type="pres">
       <dgm:prSet presAssocID="{70A09889-0E85-4832-90C3-04084E895CE1}" presName="Name21" presStyleCnt="0"/>
@@ -1558,6 +1591,13 @@
     <dgm:pt modelId="{E0E15620-2EFC-4B56-9239-D3BAD0772143}" type="pres">
       <dgm:prSet presAssocID="{CFD29733-3258-4176-971E-65CECE1A3941}" presName="Name19" presStyleLbl="parChTrans1D3" presStyleIdx="0" presStyleCnt="2"/>
       <dgm:spPr/>
+      <dgm:t>
+        <a:bodyPr/>
+        <a:lstStyle/>
+        <a:p>
+          <a:endParaRPr lang="en-US"/>
+        </a:p>
+      </dgm:t>
     </dgm:pt>
     <dgm:pt modelId="{5DF9D6FB-A56B-41DA-BB1E-259102209BBF}" type="pres">
       <dgm:prSet presAssocID="{F3583939-1804-4DF1-A23F-9094450F47DB}" presName="Name21" presStyleCnt="0"/>
@@ -1581,6 +1621,13 @@
     <dgm:pt modelId="{65C363B7-8CD1-4394-8C91-95B1105E5140}" type="pres">
       <dgm:prSet presAssocID="{FDED32F8-F199-42F1-A710-ADE7A10C4B43}" presName="Name19" presStyleLbl="parChTrans1D4" presStyleIdx="0" presStyleCnt="6"/>
       <dgm:spPr/>
+      <dgm:t>
+        <a:bodyPr/>
+        <a:lstStyle/>
+        <a:p>
+          <a:endParaRPr lang="en-US"/>
+        </a:p>
+      </dgm:t>
     </dgm:pt>
     <dgm:pt modelId="{C5417D99-554B-4531-B583-E33C26345EDA}" type="pres">
       <dgm:prSet presAssocID="{7A21FC49-CF69-4F9E-A8D8-11CEAC14A388}" presName="Name21" presStyleCnt="0"/>
@@ -1604,6 +1651,13 @@
     <dgm:pt modelId="{CFA908BF-B823-412D-A1E1-BD58291FA3F8}" type="pres">
       <dgm:prSet presAssocID="{325DF042-6627-49C7-AD22-F842CB6DE16A}" presName="Name19" presStyleLbl="parChTrans1D4" presStyleIdx="1" presStyleCnt="6"/>
       <dgm:spPr/>
+      <dgm:t>
+        <a:bodyPr/>
+        <a:lstStyle/>
+        <a:p>
+          <a:endParaRPr lang="en-US"/>
+        </a:p>
+      </dgm:t>
     </dgm:pt>
     <dgm:pt modelId="{AD0C104C-EAC2-4C06-898D-6E7113ED9144}" type="pres">
       <dgm:prSet presAssocID="{CCE02581-D4A2-4FB5-AA5C-71BD47A16597}" presName="Name21" presStyleCnt="0"/>
@@ -1612,6 +1666,13 @@
     <dgm:pt modelId="{C998777A-EFEF-4DA5-94A2-710F4A77B26A}" type="pres">
       <dgm:prSet presAssocID="{CCE02581-D4A2-4FB5-AA5C-71BD47A16597}" presName="level2Shape" presStyleLbl="node4" presStyleIdx="1" presStyleCnt="6"/>
       <dgm:spPr/>
+      <dgm:t>
+        <a:bodyPr/>
+        <a:lstStyle/>
+        <a:p>
+          <a:endParaRPr lang="en-US"/>
+        </a:p>
+      </dgm:t>
     </dgm:pt>
     <dgm:pt modelId="{7B6F20AF-FAF5-45BA-8C26-EEA65261D79B}" type="pres">
       <dgm:prSet presAssocID="{CCE02581-D4A2-4FB5-AA5C-71BD47A16597}" presName="hierChild3" presStyleCnt="0"/>
@@ -1620,6 +1681,13 @@
     <dgm:pt modelId="{3B42A531-AFA5-40DA-9D90-D042DABFF481}" type="pres">
       <dgm:prSet presAssocID="{E04FC3AF-DD86-4F19-81C9-4E50F8CDD5FD}" presName="Name19" presStyleLbl="parChTrans1D4" presStyleIdx="2" presStyleCnt="6"/>
       <dgm:spPr/>
+      <dgm:t>
+        <a:bodyPr/>
+        <a:lstStyle/>
+        <a:p>
+          <a:endParaRPr lang="en-US"/>
+        </a:p>
+      </dgm:t>
     </dgm:pt>
     <dgm:pt modelId="{EF2A7BD1-8D6D-4F3A-B2EF-AB9BF4C83F26}" type="pres">
       <dgm:prSet presAssocID="{9BD5C359-1BAD-4DE1-B032-A7BFA3AE9BA3}" presName="Name21" presStyleCnt="0"/>
@@ -1628,6 +1696,13 @@
     <dgm:pt modelId="{D4A5B0F6-4E3D-481C-A949-571D36EF748A}" type="pres">
       <dgm:prSet presAssocID="{9BD5C359-1BAD-4DE1-B032-A7BFA3AE9BA3}" presName="level2Shape" presStyleLbl="node4" presStyleIdx="2" presStyleCnt="6"/>
       <dgm:spPr/>
+      <dgm:t>
+        <a:bodyPr/>
+        <a:lstStyle/>
+        <a:p>
+          <a:endParaRPr lang="en-US"/>
+        </a:p>
+      </dgm:t>
     </dgm:pt>
     <dgm:pt modelId="{16E15CA9-D825-488A-9149-14665C82F5DA}" type="pres">
       <dgm:prSet presAssocID="{9BD5C359-1BAD-4DE1-B032-A7BFA3AE9BA3}" presName="hierChild3" presStyleCnt="0"/>
@@ -1636,6 +1711,13 @@
     <dgm:pt modelId="{8FAF6929-3DB2-44D0-B037-1928B00CEB5E}" type="pres">
       <dgm:prSet presAssocID="{6C628632-2D1E-401A-B4AC-C31A0B275244}" presName="Name19" presStyleLbl="parChTrans1D3" presStyleIdx="1" presStyleCnt="2"/>
       <dgm:spPr/>
+      <dgm:t>
+        <a:bodyPr/>
+        <a:lstStyle/>
+        <a:p>
+          <a:endParaRPr lang="en-US"/>
+        </a:p>
+      </dgm:t>
     </dgm:pt>
     <dgm:pt modelId="{274ED113-949D-4BDC-9C1A-9BABCA77FC95}" type="pres">
       <dgm:prSet presAssocID="{FC811F9D-3733-4E72-B01B-CA0EC0AD907D}" presName="Name21" presStyleCnt="0"/>
@@ -1659,6 +1741,13 @@
     <dgm:pt modelId="{BF8C48A2-7B5F-4CCF-BB14-881D550241D9}" type="pres">
       <dgm:prSet presAssocID="{0FE38F9C-84E5-4B24-B4AE-7EF4A6FA142A}" presName="Name19" presStyleLbl="parChTrans1D4" presStyleIdx="3" presStyleCnt="6"/>
       <dgm:spPr/>
+      <dgm:t>
+        <a:bodyPr/>
+        <a:lstStyle/>
+        <a:p>
+          <a:endParaRPr lang="en-US"/>
+        </a:p>
+      </dgm:t>
     </dgm:pt>
     <dgm:pt modelId="{8EE50508-F679-456C-9D4C-CBECFAC346C1}" type="pres">
       <dgm:prSet presAssocID="{DD772F34-8569-45CD-A92D-9A06ABF5FCA8}" presName="Name21" presStyleCnt="0"/>
@@ -1682,6 +1771,13 @@
     <dgm:pt modelId="{4F6BA2BC-CC8A-46FF-99B1-0AF10F2D5A41}" type="pres">
       <dgm:prSet presAssocID="{465EEF9F-BB2E-4B6D-9F79-2B1893E30BEB}" presName="Name19" presStyleLbl="parChTrans1D4" presStyleIdx="4" presStyleCnt="6"/>
       <dgm:spPr/>
+      <dgm:t>
+        <a:bodyPr/>
+        <a:lstStyle/>
+        <a:p>
+          <a:endParaRPr lang="en-US"/>
+        </a:p>
+      </dgm:t>
     </dgm:pt>
     <dgm:pt modelId="{E5A01AA0-EBFE-4E76-8472-43E15CCC43D7}" type="pres">
       <dgm:prSet presAssocID="{5D0AC605-0181-4507-AF9D-7FD4EA6BEA8D}" presName="Name21" presStyleCnt="0"/>
@@ -1705,6 +1801,13 @@
     <dgm:pt modelId="{B498779D-DA41-4B0A-A117-41118C0AC255}" type="pres">
       <dgm:prSet presAssocID="{6189D4ED-5A69-4681-832E-0E119C3A3675}" presName="Name19" presStyleLbl="parChTrans1D4" presStyleIdx="5" presStyleCnt="6"/>
       <dgm:spPr/>
+      <dgm:t>
+        <a:bodyPr/>
+        <a:lstStyle/>
+        <a:p>
+          <a:endParaRPr lang="en-US"/>
+        </a:p>
+      </dgm:t>
     </dgm:pt>
     <dgm:pt modelId="{2E40D170-2A5A-41C5-8A6C-0864C31B9AD2}" type="pres">
       <dgm:prSet presAssocID="{EBD0D660-5327-4926-9D57-34B7FF3D195B}" presName="Name21" presStyleCnt="0"/>
@@ -1736,6 +1839,13 @@
     <dgm:pt modelId="{DCE96565-D513-4B61-A867-0DE6EEA34BA9}" type="pres">
       <dgm:prSet presAssocID="{031638E7-2A7B-4DE5-A710-7676FF261AAC}" presName="bgRect" presStyleLbl="bgShp" presStyleIdx="0" presStyleCnt="4"/>
       <dgm:spPr/>
+      <dgm:t>
+        <a:bodyPr/>
+        <a:lstStyle/>
+        <a:p>
+          <a:endParaRPr lang="en-US"/>
+        </a:p>
+      </dgm:t>
     </dgm:pt>
     <dgm:pt modelId="{FD8B0D21-35EF-41C2-9B53-D2EFC867946A}" type="pres">
       <dgm:prSet presAssocID="{031638E7-2A7B-4DE5-A710-7676FF261AAC}" presName="bgRectTx" presStyleLbl="bgShp" presStyleIdx="0" presStyleCnt="4">
@@ -1744,6 +1854,13 @@
         </dgm:presLayoutVars>
       </dgm:prSet>
       <dgm:spPr/>
+      <dgm:t>
+        <a:bodyPr/>
+        <a:lstStyle/>
+        <a:p>
+          <a:endParaRPr lang="en-US"/>
+        </a:p>
+      </dgm:t>
     </dgm:pt>
     <dgm:pt modelId="{77A58AB2-7D61-495C-AFB5-069CECACFCC5}" type="pres">
       <dgm:prSet presAssocID="{031638E7-2A7B-4DE5-A710-7676FF261AAC}" presName="spComp" presStyleCnt="0"/>
@@ -1798,6 +1915,13 @@
     <dgm:pt modelId="{B1D8748D-E951-4DD9-9A39-E219A67EA400}" type="pres">
       <dgm:prSet presAssocID="{7466FD49-027F-4E44-9C12-A542B0C4CAEC}" presName="bgRect" presStyleLbl="bgShp" presStyleIdx="2" presStyleCnt="4"/>
       <dgm:spPr/>
+      <dgm:t>
+        <a:bodyPr/>
+        <a:lstStyle/>
+        <a:p>
+          <a:endParaRPr lang="en-US"/>
+        </a:p>
+      </dgm:t>
     </dgm:pt>
     <dgm:pt modelId="{D2052EC6-F259-4EA4-9716-432D4D12CCB9}" type="pres">
       <dgm:prSet presAssocID="{7466FD49-027F-4E44-9C12-A542B0C4CAEC}" presName="bgRectTx" presStyleLbl="bgShp" presStyleIdx="2" presStyleCnt="4">
@@ -1806,6 +1930,13 @@
         </dgm:presLayoutVars>
       </dgm:prSet>
       <dgm:spPr/>
+      <dgm:t>
+        <a:bodyPr/>
+        <a:lstStyle/>
+        <a:p>
+          <a:endParaRPr lang="en-US"/>
+        </a:p>
+      </dgm:t>
     </dgm:pt>
     <dgm:pt modelId="{92190137-A48B-4750-977B-C9053F93C2FD}" type="pres">
       <dgm:prSet presAssocID="{7466FD49-027F-4E44-9C12-A542B0C4CAEC}" presName="spComp" presStyleCnt="0"/>
@@ -1847,51 +1978,51 @@
     </dgm:pt>
   </dgm:ptLst>
   <dgm:cxnLst>
+    <dgm:cxn modelId="{BEA8BBE4-F270-472D-9B5F-EABB2922FB20}" type="presOf" srcId="{70A09889-0E85-4832-90C3-04084E895CE1}" destId="{037AAC89-94CC-407F-8BF3-7507CEA0E6A1}" srcOrd="0" destOrd="0" presId="urn:microsoft.com/office/officeart/2005/8/layout/hierarchy6"/>
+    <dgm:cxn modelId="{53FEFB6A-9C86-41B0-B8B9-5CF5B3A87648}" srcId="{FC811F9D-3733-4E72-B01B-CA0EC0AD907D}" destId="{EBD0D660-5327-4926-9D57-34B7FF3D195B}" srcOrd="2" destOrd="0" parTransId="{6189D4ED-5A69-4681-832E-0E119C3A3675}" sibTransId="{B1B14658-4ADA-416D-A46F-E7A6B082359C}"/>
+    <dgm:cxn modelId="{B5D668C1-AAFD-4C40-83DB-CB7050FD4B43}" type="presOf" srcId="{FC811F9D-3733-4E72-B01B-CA0EC0AD907D}" destId="{8FFFB113-2FE2-4447-9D74-F9096F1D66B2}" srcOrd="0" destOrd="0" presId="urn:microsoft.com/office/officeart/2005/8/layout/hierarchy6"/>
+    <dgm:cxn modelId="{59CC1AF1-5B7C-40BF-8DC3-A43C73790943}" type="presOf" srcId="{00B1317A-D75A-4E16-9B73-24EFC1D89FBC}" destId="{213A54C0-3442-4117-9625-7B2611FBBE1E}" srcOrd="0" destOrd="0" presId="urn:microsoft.com/office/officeart/2005/8/layout/hierarchy6"/>
+    <dgm:cxn modelId="{0142DE51-F281-45C8-8252-F4C9281EA450}" type="presOf" srcId="{6390F2A6-201A-4AD8-8AA2-3E85B8A7CB03}" destId="{537658CD-D50A-441E-8B84-D8A553A65C32}" srcOrd="0" destOrd="0" presId="urn:microsoft.com/office/officeart/2005/8/layout/hierarchy6"/>
+    <dgm:cxn modelId="{8F9E4650-221D-4AA1-925A-EEE8E66C7F11}" type="presOf" srcId="{031638E7-2A7B-4DE5-A710-7676FF261AAC}" destId="{DCE96565-D513-4B61-A867-0DE6EEA34BA9}" srcOrd="0" destOrd="0" presId="urn:microsoft.com/office/officeart/2005/8/layout/hierarchy6"/>
+    <dgm:cxn modelId="{C3FF69F1-4682-4131-B80E-40511552C082}" type="presOf" srcId="{031638E7-2A7B-4DE5-A710-7676FF261AAC}" destId="{FD8B0D21-35EF-41C2-9B53-D2EFC867946A}" srcOrd="1" destOrd="0" presId="urn:microsoft.com/office/officeart/2005/8/layout/hierarchy6"/>
+    <dgm:cxn modelId="{92B50CD9-1A96-4F03-9E5A-2D77F9EA712C}" srcId="{1CC60603-4321-4801-83D8-C21AC503298A}" destId="{031638E7-2A7B-4DE5-A710-7676FF261AAC}" srcOrd="1" destOrd="0" parTransId="{5D050ED2-C527-41AC-93A2-CC9A7CE796BE}" sibTransId="{CAAC8BD5-8F57-4C78-8064-9AA12547F230}"/>
+    <dgm:cxn modelId="{B036E96E-A264-4A19-B1DE-0B0013D276EC}" srcId="{1D50903F-C548-4AD9-9F06-9749D5EE4E73}" destId="{00B1317A-D75A-4E16-9B73-24EFC1D89FBC}" srcOrd="0" destOrd="0" parTransId="{4A156EE0-BD9D-4DAB-8BD0-E67B195886AA}" sibTransId="{25FE6377-CB73-43B3-8C0E-13E4CAEEC8B0}"/>
+    <dgm:cxn modelId="{DF46EC0A-E48E-4946-AE49-267567A4BD1A}" type="presOf" srcId="{9BD5C359-1BAD-4DE1-B032-A7BFA3AE9BA3}" destId="{D4A5B0F6-4E3D-481C-A949-571D36EF748A}" srcOrd="0" destOrd="0" presId="urn:microsoft.com/office/officeart/2005/8/layout/hierarchy6"/>
+    <dgm:cxn modelId="{34BE86B9-3CE2-4FC9-B050-339A74D48710}" srcId="{FC811F9D-3733-4E72-B01B-CA0EC0AD907D}" destId="{DD772F34-8569-45CD-A92D-9A06ABF5FCA8}" srcOrd="0" destOrd="0" parTransId="{0FE38F9C-84E5-4B24-B4AE-7EF4A6FA142A}" sibTransId="{CC77EC63-948E-4FD0-8AE4-21BF610A552F}"/>
+    <dgm:cxn modelId="{42D97B9F-3AA5-496E-ACDC-B20855AC2018}" type="presOf" srcId="{CCE02581-D4A2-4FB5-AA5C-71BD47A16597}" destId="{C998777A-EFEF-4DA5-94A2-710F4A77B26A}" srcOrd="0" destOrd="0" presId="urn:microsoft.com/office/officeart/2005/8/layout/hierarchy6"/>
+    <dgm:cxn modelId="{EBC65AB8-B633-4409-B3F1-34BC79CA4271}" type="presOf" srcId="{1D50903F-C548-4AD9-9F06-9749D5EE4E73}" destId="{2907468C-35DE-46DD-A445-62CCC73466C6}" srcOrd="0" destOrd="0" presId="urn:microsoft.com/office/officeart/2005/8/layout/hierarchy6"/>
+    <dgm:cxn modelId="{5A60D56C-1C9F-49F7-AD3A-F81F8979278D}" type="presOf" srcId="{7466FD49-027F-4E44-9C12-A542B0C4CAEC}" destId="{B1D8748D-E951-4DD9-9A39-E219A67EA400}" srcOrd="0" destOrd="0" presId="urn:microsoft.com/office/officeart/2005/8/layout/hierarchy6"/>
+    <dgm:cxn modelId="{488FA12E-D89D-48AF-B410-E8FFFB353FFC}" srcId="{F3583939-1804-4DF1-A23F-9094450F47DB}" destId="{CCE02581-D4A2-4FB5-AA5C-71BD47A16597}" srcOrd="1" destOrd="0" parTransId="{325DF042-6627-49C7-AD22-F842CB6DE16A}" sibTransId="{C2937645-35BE-4CCB-9304-CC1C5F47B3D9}"/>
+    <dgm:cxn modelId="{2F0B4285-5F02-4942-8584-E703314BFA14}" type="presOf" srcId="{0FE38F9C-84E5-4B24-B4AE-7EF4A6FA142A}" destId="{BF8C48A2-7B5F-4CCF-BB14-881D550241D9}" srcOrd="0" destOrd="0" presId="urn:microsoft.com/office/officeart/2005/8/layout/hierarchy6"/>
+    <dgm:cxn modelId="{67274EC5-5145-49EB-B005-85AFAAEFBE1F}" type="presOf" srcId="{1CC60603-4321-4801-83D8-C21AC503298A}" destId="{761C61C1-A25B-4920-BD8F-AA2C612CCF2C}" srcOrd="0" destOrd="0" presId="urn:microsoft.com/office/officeart/2005/8/layout/hierarchy6"/>
+    <dgm:cxn modelId="{76768226-03C9-473E-9007-C40CCF1A8BDA}" srcId="{70A09889-0E85-4832-90C3-04084E895CE1}" destId="{FC811F9D-3733-4E72-B01B-CA0EC0AD907D}" srcOrd="1" destOrd="0" parTransId="{6C628632-2D1E-401A-B4AC-C31A0B275244}" sibTransId="{170311E8-82CF-4C13-B9C2-C3BCA077198C}"/>
+    <dgm:cxn modelId="{27938F6B-C720-4A74-8CCD-0BE7AF570AB5}" type="presOf" srcId="{6390F2A6-201A-4AD8-8AA2-3E85B8A7CB03}" destId="{48E901EA-13B4-4456-A64E-2F4B1C6E60F9}" srcOrd="1" destOrd="0" presId="urn:microsoft.com/office/officeart/2005/8/layout/hierarchy6"/>
     <dgm:cxn modelId="{D8E79B0F-AB54-43CE-86CF-0B50CB7E1A39}" type="presOf" srcId="{DD772F34-8569-45CD-A92D-9A06ABF5FCA8}" destId="{C1FE33C4-890A-4AE9-9222-262843F18B71}" srcOrd="0" destOrd="0" presId="urn:microsoft.com/office/officeart/2005/8/layout/hierarchy6"/>
+    <dgm:cxn modelId="{786C81CA-0CCD-4FBC-AEC3-F69E0261A36D}" type="presOf" srcId="{EBD0D660-5327-4926-9D57-34B7FF3D195B}" destId="{4DEBB1B6-8243-496C-92CE-8B62B4EB8DCB}" srcOrd="0" destOrd="0" presId="urn:microsoft.com/office/officeart/2005/8/layout/hierarchy6"/>
+    <dgm:cxn modelId="{6FC00208-63A2-4BF2-831C-5E6B918EBF0C}" srcId="{FC811F9D-3733-4E72-B01B-CA0EC0AD907D}" destId="{5D0AC605-0181-4507-AF9D-7FD4EA6BEA8D}" srcOrd="1" destOrd="0" parTransId="{465EEF9F-BB2E-4B6D-9F79-2B1893E30BEB}" sibTransId="{D3FD69F2-1B98-4571-872E-47C5626A03DF}"/>
+    <dgm:cxn modelId="{DF9BE3D3-2CDC-4A0D-B7DC-494D17F05773}" type="presOf" srcId="{D5AA5660-B70A-418D-B8CF-829F14F5AC04}" destId="{68C7075F-B70C-486E-9BF4-E18539EC46F9}" srcOrd="1" destOrd="0" presId="urn:microsoft.com/office/officeart/2005/8/layout/hierarchy6"/>
+    <dgm:cxn modelId="{3547E724-63DC-46F0-BC93-11D012735C7E}" type="presOf" srcId="{6C628632-2D1E-401A-B4AC-C31A0B275244}" destId="{8FAF6929-3DB2-44D0-B037-1928B00CEB5E}" srcOrd="0" destOrd="0" presId="urn:microsoft.com/office/officeart/2005/8/layout/hierarchy6"/>
+    <dgm:cxn modelId="{FF2030A4-9556-4DB0-9766-461CE5B8AB70}" srcId="{1D50903F-C548-4AD9-9F06-9749D5EE4E73}" destId="{70A09889-0E85-4832-90C3-04084E895CE1}" srcOrd="1" destOrd="0" parTransId="{FD44A606-60B7-4B14-87E4-76D1F03ED8E5}" sibTransId="{2C15F39D-60C2-40CA-8927-87D2C0FB9B8B}"/>
+    <dgm:cxn modelId="{28D73C32-E2AD-4FC1-B5A5-4842D3133F20}" srcId="{70A09889-0E85-4832-90C3-04084E895CE1}" destId="{F3583939-1804-4DF1-A23F-9094450F47DB}" srcOrd="0" destOrd="0" parTransId="{CFD29733-3258-4176-971E-65CECE1A3941}" sibTransId="{F09D6658-D441-4365-A2E2-37D12E9A2261}"/>
+    <dgm:cxn modelId="{6313F360-42F5-454C-9AAF-5738B9BB2CA2}" type="presOf" srcId="{FD44A606-60B7-4B14-87E4-76D1F03ED8E5}" destId="{A2CE9F3F-6753-494A-925F-891C73918E3A}" srcOrd="0" destOrd="0" presId="urn:microsoft.com/office/officeart/2005/8/layout/hierarchy6"/>
+    <dgm:cxn modelId="{422FDFAF-17F7-4E40-9401-C88FC67144F5}" srcId="{1CC60603-4321-4801-83D8-C21AC503298A}" destId="{7466FD49-027F-4E44-9C12-A542B0C4CAEC}" srcOrd="3" destOrd="0" parTransId="{C81CF228-DD33-407F-8C04-C992CD07E47E}" sibTransId="{0E580241-9F0F-47A0-95A5-07DAC4FB0E33}"/>
+    <dgm:cxn modelId="{594025C3-86E7-46DF-883F-E378B0B6238E}" srcId="{1CC60603-4321-4801-83D8-C21AC503298A}" destId="{1D50903F-C548-4AD9-9F06-9749D5EE4E73}" srcOrd="0" destOrd="0" parTransId="{F5BEA446-C8E3-4190-9638-DE702F7A57B4}" sibTransId="{6674435A-0C16-45D6-9D02-1393213C3F02}"/>
+    <dgm:cxn modelId="{22AF4C1D-644C-4F70-8AB7-2F72DE0BEED7}" type="presOf" srcId="{D5AA5660-B70A-418D-B8CF-829F14F5AC04}" destId="{F95A52B3-1F3C-44A1-ADC8-BF1AEDD5191B}" srcOrd="0" destOrd="0" presId="urn:microsoft.com/office/officeart/2005/8/layout/hierarchy6"/>
+    <dgm:cxn modelId="{0AB7C6F8-B808-4873-B40B-DC81589C5CA4}" srcId="{1CC60603-4321-4801-83D8-C21AC503298A}" destId="{6390F2A6-201A-4AD8-8AA2-3E85B8A7CB03}" srcOrd="4" destOrd="0" parTransId="{1CB093C6-2E31-43A6-B4AA-E2F33F7C30C2}" sibTransId="{2139A4A6-4360-42EE-B305-F735B7997739}"/>
+    <dgm:cxn modelId="{81BFF664-3702-47E1-B75F-C89165D30708}" type="presOf" srcId="{5D0AC605-0181-4507-AF9D-7FD4EA6BEA8D}" destId="{D3DE03C0-8486-407A-B4AF-C288ED7671C6}" srcOrd="0" destOrd="0" presId="urn:microsoft.com/office/officeart/2005/8/layout/hierarchy6"/>
+    <dgm:cxn modelId="{2C3C0195-2B30-4C1B-BF25-00DE0F4B9211}" type="presOf" srcId="{4A156EE0-BD9D-4DAB-8BD0-E67B195886AA}" destId="{F69DCA73-F89A-4A80-868A-6623F582C892}" srcOrd="0" destOrd="0" presId="urn:microsoft.com/office/officeart/2005/8/layout/hierarchy6"/>
+    <dgm:cxn modelId="{900E688D-835E-414A-87EA-689AE86D9035}" type="presOf" srcId="{465EEF9F-BB2E-4B6D-9F79-2B1893E30BEB}" destId="{4F6BA2BC-CC8A-46FF-99B1-0AF10F2D5A41}" srcOrd="0" destOrd="0" presId="urn:microsoft.com/office/officeart/2005/8/layout/hierarchy6"/>
+    <dgm:cxn modelId="{BA289A41-AC2F-4037-9A4A-C80D2B1A80D7}" type="presOf" srcId="{FDED32F8-F199-42F1-A710-ADE7A10C4B43}" destId="{65C363B7-8CD1-4394-8C91-95B1105E5140}" srcOrd="0" destOrd="0" presId="urn:microsoft.com/office/officeart/2005/8/layout/hierarchy6"/>
+    <dgm:cxn modelId="{BFE42088-A5AC-4439-B25A-47A093A6E11F}" srcId="{F3583939-1804-4DF1-A23F-9094450F47DB}" destId="{9BD5C359-1BAD-4DE1-B032-A7BFA3AE9BA3}" srcOrd="2" destOrd="0" parTransId="{E04FC3AF-DD86-4F19-81C9-4E50F8CDD5FD}" sibTransId="{84780049-E98A-42EE-A5C6-C40C73139383}"/>
     <dgm:cxn modelId="{778F4708-C0B5-444A-86E5-F206EA59D30D}" type="presOf" srcId="{7466FD49-027F-4E44-9C12-A542B0C4CAEC}" destId="{D2052EC6-F259-4EA4-9716-432D4D12CCB9}" srcOrd="1" destOrd="0" presId="urn:microsoft.com/office/officeart/2005/8/layout/hierarchy6"/>
-    <dgm:cxn modelId="{BEA8BBE4-F270-472D-9B5F-EABB2922FB20}" type="presOf" srcId="{70A09889-0E85-4832-90C3-04084E895CE1}" destId="{037AAC89-94CC-407F-8BF3-7507CEA0E6A1}" srcOrd="0" destOrd="0" presId="urn:microsoft.com/office/officeart/2005/8/layout/hierarchy6"/>
-    <dgm:cxn modelId="{8F9E4650-221D-4AA1-925A-EEE8E66C7F11}" type="presOf" srcId="{031638E7-2A7B-4DE5-A710-7676FF261AAC}" destId="{DCE96565-D513-4B61-A867-0DE6EEA34BA9}" srcOrd="0" destOrd="0" presId="urn:microsoft.com/office/officeart/2005/8/layout/hierarchy6"/>
-    <dgm:cxn modelId="{28D73C32-E2AD-4FC1-B5A5-4842D3133F20}" srcId="{70A09889-0E85-4832-90C3-04084E895CE1}" destId="{F3583939-1804-4DF1-A23F-9094450F47DB}" srcOrd="0" destOrd="0" parTransId="{CFD29733-3258-4176-971E-65CECE1A3941}" sibTransId="{F09D6658-D441-4365-A2E2-37D12E9A2261}"/>
-    <dgm:cxn modelId="{3547E724-63DC-46F0-BC93-11D012735C7E}" type="presOf" srcId="{6C628632-2D1E-401A-B4AC-C31A0B275244}" destId="{8FAF6929-3DB2-44D0-B037-1928B00CEB5E}" srcOrd="0" destOrd="0" presId="urn:microsoft.com/office/officeart/2005/8/layout/hierarchy6"/>
-    <dgm:cxn modelId="{22AF4C1D-644C-4F70-8AB7-2F72DE0BEED7}" type="presOf" srcId="{D5AA5660-B70A-418D-B8CF-829F14F5AC04}" destId="{F95A52B3-1F3C-44A1-ADC8-BF1AEDD5191B}" srcOrd="0" destOrd="0" presId="urn:microsoft.com/office/officeart/2005/8/layout/hierarchy6"/>
     <dgm:cxn modelId="{FDED84A2-6771-43B2-9E73-0FEA9D6FCD4A}" type="presOf" srcId="{6189D4ED-5A69-4681-832E-0E119C3A3675}" destId="{B498779D-DA41-4B0A-A117-41118C0AC255}" srcOrd="0" destOrd="0" presId="urn:microsoft.com/office/officeart/2005/8/layout/hierarchy6"/>
-    <dgm:cxn modelId="{2F0B4285-5F02-4942-8584-E703314BFA14}" type="presOf" srcId="{0FE38F9C-84E5-4B24-B4AE-7EF4A6FA142A}" destId="{BF8C48A2-7B5F-4CCF-BB14-881D550241D9}" srcOrd="0" destOrd="0" presId="urn:microsoft.com/office/officeart/2005/8/layout/hierarchy6"/>
-    <dgm:cxn modelId="{81BFF664-3702-47E1-B75F-C89165D30708}" type="presOf" srcId="{5D0AC605-0181-4507-AF9D-7FD4EA6BEA8D}" destId="{D3DE03C0-8486-407A-B4AF-C288ED7671C6}" srcOrd="0" destOrd="0" presId="urn:microsoft.com/office/officeart/2005/8/layout/hierarchy6"/>
     <dgm:cxn modelId="{12D7A526-EA4F-4CC5-8FF3-F698B72B0AA1}" type="presOf" srcId="{CFD29733-3258-4176-971E-65CECE1A3941}" destId="{E0E15620-2EFC-4B56-9239-D3BAD0772143}" srcOrd="0" destOrd="0" presId="urn:microsoft.com/office/officeart/2005/8/layout/hierarchy6"/>
-    <dgm:cxn modelId="{6313F360-42F5-454C-9AAF-5738B9BB2CA2}" type="presOf" srcId="{FD44A606-60B7-4B14-87E4-76D1F03ED8E5}" destId="{A2CE9F3F-6753-494A-925F-891C73918E3A}" srcOrd="0" destOrd="0" presId="urn:microsoft.com/office/officeart/2005/8/layout/hierarchy6"/>
+    <dgm:cxn modelId="{A28106FF-4B16-429B-9589-CF278544359A}" type="presOf" srcId="{E04FC3AF-DD86-4F19-81C9-4E50F8CDD5FD}" destId="{3B42A531-AFA5-40DA-9D90-D042DABFF481}" srcOrd="0" destOrd="0" presId="urn:microsoft.com/office/officeart/2005/8/layout/hierarchy6"/>
+    <dgm:cxn modelId="{7C60801D-AE7E-49F8-87CC-F66E520BA244}" type="presOf" srcId="{F3583939-1804-4DF1-A23F-9094450F47DB}" destId="{5B9C54DF-D7CB-45CA-A70F-C290798E5F0B}" srcOrd="0" destOrd="0" presId="urn:microsoft.com/office/officeart/2005/8/layout/hierarchy6"/>
+    <dgm:cxn modelId="{7AC4FBAC-613A-4984-BD9B-5F801146582D}" srcId="{F3583939-1804-4DF1-A23F-9094450F47DB}" destId="{7A21FC49-CF69-4F9E-A8D8-11CEAC14A388}" srcOrd="0" destOrd="0" parTransId="{FDED32F8-F199-42F1-A710-ADE7A10C4B43}" sibTransId="{2AC6ACCE-C147-4D57-9757-F32BAE7C9926}"/>
+    <dgm:cxn modelId="{F44A45F8-F8A4-4A9D-8C6C-AFF27DE8CA7D}" type="presOf" srcId="{7A21FC49-CF69-4F9E-A8D8-11CEAC14A388}" destId="{1543840A-ECCE-4E4F-A46A-C636C73F11C6}" srcOrd="0" destOrd="0" presId="urn:microsoft.com/office/officeart/2005/8/layout/hierarchy6"/>
     <dgm:cxn modelId="{7E243FDE-0FF0-495D-87AD-2A3CFD634259}" srcId="{1CC60603-4321-4801-83D8-C21AC503298A}" destId="{D5AA5660-B70A-418D-B8CF-829F14F5AC04}" srcOrd="2" destOrd="0" parTransId="{854A7DD5-D65E-4FB8-B7E1-4E74E1769851}" sibTransId="{3645DF83-3FCF-4ABF-9629-03C8D70D0AF5}"/>
-    <dgm:cxn modelId="{488FA12E-D89D-48AF-B410-E8FFFB353FFC}" srcId="{F3583939-1804-4DF1-A23F-9094450F47DB}" destId="{CCE02581-D4A2-4FB5-AA5C-71BD47A16597}" srcOrd="1" destOrd="0" parTransId="{325DF042-6627-49C7-AD22-F842CB6DE16A}" sibTransId="{C2937645-35BE-4CCB-9304-CC1C5F47B3D9}"/>
-    <dgm:cxn modelId="{900E688D-835E-414A-87EA-689AE86D9035}" type="presOf" srcId="{465EEF9F-BB2E-4B6D-9F79-2B1893E30BEB}" destId="{4F6BA2BC-CC8A-46FF-99B1-0AF10F2D5A41}" srcOrd="0" destOrd="0" presId="urn:microsoft.com/office/officeart/2005/8/layout/hierarchy6"/>
-    <dgm:cxn modelId="{422FDFAF-17F7-4E40-9401-C88FC67144F5}" srcId="{1CC60603-4321-4801-83D8-C21AC503298A}" destId="{7466FD49-027F-4E44-9C12-A542B0C4CAEC}" srcOrd="3" destOrd="0" parTransId="{C81CF228-DD33-407F-8C04-C992CD07E47E}" sibTransId="{0E580241-9F0F-47A0-95A5-07DAC4FB0E33}"/>
-    <dgm:cxn modelId="{34BE86B9-3CE2-4FC9-B050-339A74D48710}" srcId="{FC811F9D-3733-4E72-B01B-CA0EC0AD907D}" destId="{DD772F34-8569-45CD-A92D-9A06ABF5FCA8}" srcOrd="0" destOrd="0" parTransId="{0FE38F9C-84E5-4B24-B4AE-7EF4A6FA142A}" sibTransId="{CC77EC63-948E-4FD0-8AE4-21BF610A552F}"/>
-    <dgm:cxn modelId="{27938F6B-C720-4A74-8CCD-0BE7AF570AB5}" type="presOf" srcId="{6390F2A6-201A-4AD8-8AA2-3E85B8A7CB03}" destId="{48E901EA-13B4-4456-A64E-2F4B1C6E60F9}" srcOrd="1" destOrd="0" presId="urn:microsoft.com/office/officeart/2005/8/layout/hierarchy6"/>
-    <dgm:cxn modelId="{594025C3-86E7-46DF-883F-E378B0B6238E}" srcId="{1CC60603-4321-4801-83D8-C21AC503298A}" destId="{1D50903F-C548-4AD9-9F06-9749D5EE4E73}" srcOrd="0" destOrd="0" parTransId="{F5BEA446-C8E3-4190-9638-DE702F7A57B4}" sibTransId="{6674435A-0C16-45D6-9D02-1393213C3F02}"/>
-    <dgm:cxn modelId="{DF9BE3D3-2CDC-4A0D-B7DC-494D17F05773}" type="presOf" srcId="{D5AA5660-B70A-418D-B8CF-829F14F5AC04}" destId="{68C7075F-B70C-486E-9BF4-E18539EC46F9}" srcOrd="1" destOrd="0" presId="urn:microsoft.com/office/officeart/2005/8/layout/hierarchy6"/>
-    <dgm:cxn modelId="{B036E96E-A264-4A19-B1DE-0B0013D276EC}" srcId="{1D50903F-C548-4AD9-9F06-9749D5EE4E73}" destId="{00B1317A-D75A-4E16-9B73-24EFC1D89FBC}" srcOrd="0" destOrd="0" parTransId="{4A156EE0-BD9D-4DAB-8BD0-E67B195886AA}" sibTransId="{25FE6377-CB73-43B3-8C0E-13E4CAEEC8B0}"/>
     <dgm:cxn modelId="{47BD905D-E5C5-4B50-92AA-894646A85426}" type="presOf" srcId="{325DF042-6627-49C7-AD22-F842CB6DE16A}" destId="{CFA908BF-B823-412D-A1E1-BD58291FA3F8}" srcOrd="0" destOrd="0" presId="urn:microsoft.com/office/officeart/2005/8/layout/hierarchy6"/>
-    <dgm:cxn modelId="{2C3C0195-2B30-4C1B-BF25-00DE0F4B9211}" type="presOf" srcId="{4A156EE0-BD9D-4DAB-8BD0-E67B195886AA}" destId="{F69DCA73-F89A-4A80-868A-6623F582C892}" srcOrd="0" destOrd="0" presId="urn:microsoft.com/office/officeart/2005/8/layout/hierarchy6"/>
-    <dgm:cxn modelId="{5A60D56C-1C9F-49F7-AD3A-F81F8979278D}" type="presOf" srcId="{7466FD49-027F-4E44-9C12-A542B0C4CAEC}" destId="{B1D8748D-E951-4DD9-9A39-E219A67EA400}" srcOrd="0" destOrd="0" presId="urn:microsoft.com/office/officeart/2005/8/layout/hierarchy6"/>
-    <dgm:cxn modelId="{67274EC5-5145-49EB-B005-85AFAAEFBE1F}" type="presOf" srcId="{1CC60603-4321-4801-83D8-C21AC503298A}" destId="{761C61C1-A25B-4920-BD8F-AA2C612CCF2C}" srcOrd="0" destOrd="0" presId="urn:microsoft.com/office/officeart/2005/8/layout/hierarchy6"/>
-    <dgm:cxn modelId="{0AB7C6F8-B808-4873-B40B-DC81589C5CA4}" srcId="{1CC60603-4321-4801-83D8-C21AC503298A}" destId="{6390F2A6-201A-4AD8-8AA2-3E85B8A7CB03}" srcOrd="4" destOrd="0" parTransId="{1CB093C6-2E31-43A6-B4AA-E2F33F7C30C2}" sibTransId="{2139A4A6-4360-42EE-B305-F735B7997739}"/>
-    <dgm:cxn modelId="{C3FF69F1-4682-4131-B80E-40511552C082}" type="presOf" srcId="{031638E7-2A7B-4DE5-A710-7676FF261AAC}" destId="{FD8B0D21-35EF-41C2-9B53-D2EFC867946A}" srcOrd="1" destOrd="0" presId="urn:microsoft.com/office/officeart/2005/8/layout/hierarchy6"/>
-    <dgm:cxn modelId="{76768226-03C9-473E-9007-C40CCF1A8BDA}" srcId="{70A09889-0E85-4832-90C3-04084E895CE1}" destId="{FC811F9D-3733-4E72-B01B-CA0EC0AD907D}" srcOrd="1" destOrd="0" parTransId="{6C628632-2D1E-401A-B4AC-C31A0B275244}" sibTransId="{170311E8-82CF-4C13-B9C2-C3BCA077198C}"/>
-    <dgm:cxn modelId="{53FEFB6A-9C86-41B0-B8B9-5CF5B3A87648}" srcId="{FC811F9D-3733-4E72-B01B-CA0EC0AD907D}" destId="{EBD0D660-5327-4926-9D57-34B7FF3D195B}" srcOrd="2" destOrd="0" parTransId="{6189D4ED-5A69-4681-832E-0E119C3A3675}" sibTransId="{B1B14658-4ADA-416D-A46F-E7A6B082359C}"/>
-    <dgm:cxn modelId="{7AC4FBAC-613A-4984-BD9B-5F801146582D}" srcId="{F3583939-1804-4DF1-A23F-9094450F47DB}" destId="{7A21FC49-CF69-4F9E-A8D8-11CEAC14A388}" srcOrd="0" destOrd="0" parTransId="{FDED32F8-F199-42F1-A710-ADE7A10C4B43}" sibTransId="{2AC6ACCE-C147-4D57-9757-F32BAE7C9926}"/>
-    <dgm:cxn modelId="{0142DE51-F281-45C8-8252-F4C9281EA450}" type="presOf" srcId="{6390F2A6-201A-4AD8-8AA2-3E85B8A7CB03}" destId="{537658CD-D50A-441E-8B84-D8A553A65C32}" srcOrd="0" destOrd="0" presId="urn:microsoft.com/office/officeart/2005/8/layout/hierarchy6"/>
-    <dgm:cxn modelId="{42D97B9F-3AA5-496E-ACDC-B20855AC2018}" type="presOf" srcId="{CCE02581-D4A2-4FB5-AA5C-71BD47A16597}" destId="{C998777A-EFEF-4DA5-94A2-710F4A77B26A}" srcOrd="0" destOrd="0" presId="urn:microsoft.com/office/officeart/2005/8/layout/hierarchy6"/>
-    <dgm:cxn modelId="{A28106FF-4B16-429B-9589-CF278544359A}" type="presOf" srcId="{E04FC3AF-DD86-4F19-81C9-4E50F8CDD5FD}" destId="{3B42A531-AFA5-40DA-9D90-D042DABFF481}" srcOrd="0" destOrd="0" presId="urn:microsoft.com/office/officeart/2005/8/layout/hierarchy6"/>
-    <dgm:cxn modelId="{786C81CA-0CCD-4FBC-AEC3-F69E0261A36D}" type="presOf" srcId="{EBD0D660-5327-4926-9D57-34B7FF3D195B}" destId="{4DEBB1B6-8243-496C-92CE-8B62B4EB8DCB}" srcOrd="0" destOrd="0" presId="urn:microsoft.com/office/officeart/2005/8/layout/hierarchy6"/>
-    <dgm:cxn modelId="{59CC1AF1-5B7C-40BF-8DC3-A43C73790943}" type="presOf" srcId="{00B1317A-D75A-4E16-9B73-24EFC1D89FBC}" destId="{213A54C0-3442-4117-9625-7B2611FBBE1E}" srcOrd="0" destOrd="0" presId="urn:microsoft.com/office/officeart/2005/8/layout/hierarchy6"/>
-    <dgm:cxn modelId="{BA289A41-AC2F-4037-9A4A-C80D2B1A80D7}" type="presOf" srcId="{FDED32F8-F199-42F1-A710-ADE7A10C4B43}" destId="{65C363B7-8CD1-4394-8C91-95B1105E5140}" srcOrd="0" destOrd="0" presId="urn:microsoft.com/office/officeart/2005/8/layout/hierarchy6"/>
-    <dgm:cxn modelId="{7C60801D-AE7E-49F8-87CC-F66E520BA244}" type="presOf" srcId="{F3583939-1804-4DF1-A23F-9094450F47DB}" destId="{5B9C54DF-D7CB-45CA-A70F-C290798E5F0B}" srcOrd="0" destOrd="0" presId="urn:microsoft.com/office/officeart/2005/8/layout/hierarchy6"/>
-    <dgm:cxn modelId="{DF46EC0A-E48E-4946-AE49-267567A4BD1A}" type="presOf" srcId="{9BD5C359-1BAD-4DE1-B032-A7BFA3AE9BA3}" destId="{D4A5B0F6-4E3D-481C-A949-571D36EF748A}" srcOrd="0" destOrd="0" presId="urn:microsoft.com/office/officeart/2005/8/layout/hierarchy6"/>
-    <dgm:cxn modelId="{6FC00208-63A2-4BF2-831C-5E6B918EBF0C}" srcId="{FC811F9D-3733-4E72-B01B-CA0EC0AD907D}" destId="{5D0AC605-0181-4507-AF9D-7FD4EA6BEA8D}" srcOrd="1" destOrd="0" parTransId="{465EEF9F-BB2E-4B6D-9F79-2B1893E30BEB}" sibTransId="{D3FD69F2-1B98-4571-872E-47C5626A03DF}"/>
-    <dgm:cxn modelId="{BFE42088-A5AC-4439-B25A-47A093A6E11F}" srcId="{F3583939-1804-4DF1-A23F-9094450F47DB}" destId="{9BD5C359-1BAD-4DE1-B032-A7BFA3AE9BA3}" srcOrd="2" destOrd="0" parTransId="{E04FC3AF-DD86-4F19-81C9-4E50F8CDD5FD}" sibTransId="{84780049-E98A-42EE-A5C6-C40C73139383}"/>
-    <dgm:cxn modelId="{EBC65AB8-B633-4409-B3F1-34BC79CA4271}" type="presOf" srcId="{1D50903F-C548-4AD9-9F06-9749D5EE4E73}" destId="{2907468C-35DE-46DD-A445-62CCC73466C6}" srcOrd="0" destOrd="0" presId="urn:microsoft.com/office/officeart/2005/8/layout/hierarchy6"/>
-    <dgm:cxn modelId="{F44A45F8-F8A4-4A9D-8C6C-AFF27DE8CA7D}" type="presOf" srcId="{7A21FC49-CF69-4F9E-A8D8-11CEAC14A388}" destId="{1543840A-ECCE-4E4F-A46A-C636C73F11C6}" srcOrd="0" destOrd="0" presId="urn:microsoft.com/office/officeart/2005/8/layout/hierarchy6"/>
-    <dgm:cxn modelId="{B5D668C1-AAFD-4C40-83DB-CB7050FD4B43}" type="presOf" srcId="{FC811F9D-3733-4E72-B01B-CA0EC0AD907D}" destId="{8FFFB113-2FE2-4447-9D74-F9096F1D66B2}" srcOrd="0" destOrd="0" presId="urn:microsoft.com/office/officeart/2005/8/layout/hierarchy6"/>
-    <dgm:cxn modelId="{92B50CD9-1A96-4F03-9E5A-2D77F9EA712C}" srcId="{1CC60603-4321-4801-83D8-C21AC503298A}" destId="{031638E7-2A7B-4DE5-A710-7676FF261AAC}" srcOrd="1" destOrd="0" parTransId="{5D050ED2-C527-41AC-93A2-CC9A7CE796BE}" sibTransId="{CAAC8BD5-8F57-4C78-8064-9AA12547F230}"/>
-    <dgm:cxn modelId="{FF2030A4-9556-4DB0-9766-461CE5B8AB70}" srcId="{1D50903F-C548-4AD9-9F06-9749D5EE4E73}" destId="{70A09889-0E85-4832-90C3-04084E895CE1}" srcOrd="1" destOrd="0" parTransId="{FD44A606-60B7-4B14-87E4-76D1F03ED8E5}" sibTransId="{2C15F39D-60C2-40CA-8927-87D2C0FB9B8B}"/>
     <dgm:cxn modelId="{86F85330-F94B-4B72-BA6D-E97E4525D8E6}" type="presParOf" srcId="{761C61C1-A25B-4920-BD8F-AA2C612CCF2C}" destId="{4972DB11-29EC-4F01-8B5A-D8B7EA2D4355}" srcOrd="0" destOrd="0" presId="urn:microsoft.com/office/officeart/2005/8/layout/hierarchy6"/>
     <dgm:cxn modelId="{7BA76F2C-46F0-4C1D-AAF6-80DD546A50FA}" type="presParOf" srcId="{4972DB11-29EC-4F01-8B5A-D8B7EA2D4355}" destId="{C98E0079-AD58-45BE-BD4F-8070DD2FEFBF}" srcOrd="0" destOrd="0" presId="urn:microsoft.com/office/officeart/2005/8/layout/hierarchy6"/>
     <dgm:cxn modelId="{EA4334FD-E759-4B08-8ACA-C9B44D72354B}" type="presParOf" srcId="{4972DB11-29EC-4F01-8B5A-D8B7EA2D4355}" destId="{445DAD51-8D17-4D44-A692-563A844EDA2D}" srcOrd="1" destOrd="0" presId="urn:microsoft.com/office/officeart/2005/8/layout/hierarchy6"/>
@@ -8179,7 +8310,7 @@
         </p:nvSpPr>
         <p:spPr>
           <a:xfrm>
-            <a:off x="5200318" y="2693246"/>
+            <a:off x="6012407" y="2776373"/>
             <a:ext cx="540962" cy="527514"/>
           </a:xfrm>
           <a:prstGeom prst="rect">
